--- a/predavanja/prezentacije/UVIT00-01-Koncepcija kursa.pptx
+++ b/predavanja/prezentacije/UVIT00-01-Koncepcija kursa.pptx
@@ -228,7 +228,7 @@
           <a:p>
             <a:fld id="{6B3683FA-0560-4266-A2CA-8A7D404C35FD}" type="datetimeFigureOut">
               <a:rPr lang="en-US" smtClean="0"/>
-              <a:t>9/29/2018</a:t>
+              <a:t>9/30/2018</a:t>
             </a:fld>
             <a:endParaRPr lang="en-US"/>
           </a:p>
@@ -3234,50 +3234,6 @@
           <a:chExt cx="0" cy="0"/>
         </a:xfrm>
       </p:grpSpPr>
-      <p:sp>
-        <p:nvSpPr>
-          <p:cNvPr id="10243" name="Rectangle 3"/>
-          <p:cNvSpPr>
-            <a:spLocks noGrp="1" noChangeArrowheads="1"/>
-          </p:cNvSpPr>
-          <p:nvPr>
-            <p:ph type="subTitle" idx="1"/>
-          </p:nvPr>
-        </p:nvSpPr>
-        <p:spPr>
-          <a:xfrm>
-            <a:off x="1835696" y="3933056"/>
-            <a:ext cx="6400800" cy="1752600"/>
-          </a:xfrm>
-        </p:spPr>
-        <p:txBody>
-          <a:bodyPr/>
-          <a:lstStyle/>
-          <a:p>
-            <a:pPr eaLnBrk="1" hangingPunct="1"/>
-            <a:endParaRPr lang="sr-Latn-CS" altLang="en-US" sz="2400" dirty="0" smtClean="0"/>
-          </a:p>
-        </p:txBody>
-      </p:sp>
-      <p:sp>
-        <p:nvSpPr>
-          <p:cNvPr id="2" name="Title 1"/>
-          <p:cNvSpPr>
-            <a:spLocks noGrp="1"/>
-          </p:cNvSpPr>
-          <p:nvPr>
-            <p:ph type="ctrTitle"/>
-          </p:nvPr>
-        </p:nvSpPr>
-        <p:spPr/>
-        <p:txBody>
-          <a:bodyPr/>
-          <a:lstStyle/>
-          <a:p>
-            <a:endParaRPr lang="en-US"/>
-          </a:p>
-        </p:txBody>
-      </p:sp>
       <p:sp>
         <p:nvSpPr>
           <p:cNvPr id="5" name="Rectangle 4"/>
@@ -4578,7 +4534,7 @@
         <p:spPr bwMode="auto">
           <a:xfrm>
             <a:off x="304800" y="1435100"/>
-            <a:ext cx="8839200" cy="5693866"/>
+            <a:ext cx="8839200" cy="5278368"/>
           </a:xfrm>
           <a:prstGeom prst="rect">
             <a:avLst/>
@@ -4916,7 +4872,7 @@
           <a:p>
             <a:pPr marL="1200150" lvl="1" indent="-457200" eaLnBrk="1" hangingPunct="1">
               <a:spcBef>
-                <a:spcPct val="50000"/>
+                <a:spcPts val="600"/>
               </a:spcBef>
               <a:buClrTx/>
             </a:pPr>
@@ -4956,7 +4912,7 @@
           <a:p>
             <a:pPr marL="1200150" lvl="1" indent="-457200" eaLnBrk="1" hangingPunct="1">
               <a:spcBef>
-                <a:spcPct val="50000"/>
+                <a:spcPts val="600"/>
               </a:spcBef>
               <a:buClrTx/>
             </a:pPr>
@@ -4988,7 +4944,7 @@
           <a:p>
             <a:pPr marL="1200150" lvl="1" indent="-457200" eaLnBrk="1" hangingPunct="1">
               <a:spcBef>
-                <a:spcPct val="50000"/>
+                <a:spcPts val="600"/>
               </a:spcBef>
               <a:buClrTx/>
             </a:pPr>
@@ -5837,7 +5793,7 @@
         <p:spPr bwMode="auto">
           <a:xfrm>
             <a:off x="304800" y="1435100"/>
-            <a:ext cx="8839200" cy="5047536"/>
+            <a:ext cx="8839200" cy="5139869"/>
           </a:xfrm>
           <a:prstGeom prst="rect">
             <a:avLst/>
@@ -6048,29 +6004,13 @@
                   <a:srgbClr val="000000"/>
                 </a:solidFill>
               </a:rPr>
-              <a:t>као </a:t>
-            </a:r>
-            <a:r>
-              <a:rPr lang="sr-Cyrl-RS" altLang="en-US" sz="2800" dirty="0">
-                <a:solidFill>
-                  <a:srgbClr val="000000"/>
-                </a:solidFill>
-              </a:rPr>
-              <a:t>скрипт језик веб клијента</a:t>
-            </a:r>
-            <a:r>
-              <a:rPr lang="sr-Cyrl-RS" altLang="en-US" sz="2800" dirty="0">
-                <a:solidFill>
-                  <a:srgbClr val="000000"/>
-                </a:solidFill>
-              </a:rPr>
-              <a:t> </a:t>
+              <a:t>као скрипт језик веб клијента </a:t>
             </a:r>
           </a:p>
           <a:p>
             <a:pPr marL="1200150" lvl="1" indent="-457200" eaLnBrk="1" hangingPunct="1">
               <a:spcBef>
-                <a:spcPct val="50000"/>
+                <a:spcPts val="600"/>
               </a:spcBef>
               <a:buClrTx/>
             </a:pPr>
@@ -6086,7 +6026,7 @@
           <a:p>
             <a:pPr marL="1200150" lvl="1" indent="-457200" eaLnBrk="1" hangingPunct="1">
               <a:spcBef>
-                <a:spcPct val="50000"/>
+                <a:spcPts val="600"/>
               </a:spcBef>
               <a:buClrTx/>
             </a:pPr>
@@ -6168,31 +6108,13 @@
                 </a:solidFill>
                 <a:latin typeface="+mn-lt"/>
               </a:rPr>
-              <a:t>ерверски </a:t>
-            </a:r>
-            <a:r>
-              <a:rPr lang="sr-Cyrl-RS" altLang="en-US" sz="2800" dirty="0" smtClean="0">
-                <a:solidFill>
-                  <a:srgbClr val="000000"/>
-                </a:solidFill>
-                <a:latin typeface="+mn-lt"/>
-              </a:rPr>
-              <a:t>скрипт </a:t>
-            </a:r>
-            <a:r>
-              <a:rPr lang="sr-Cyrl-RS" altLang="en-US" sz="2800" dirty="0" smtClean="0">
-                <a:solidFill>
-                  <a:srgbClr val="000000"/>
-                </a:solidFill>
-                <a:latin typeface="+mn-lt"/>
-              </a:rPr>
-              <a:t>језик</a:t>
+              <a:t>ерверски скрипт језик</a:t>
             </a:r>
           </a:p>
           <a:p>
             <a:pPr marL="1200150" lvl="1" indent="-457200" eaLnBrk="1" hangingPunct="1">
               <a:spcBef>
-                <a:spcPct val="50000"/>
+                <a:spcPts val="600"/>
               </a:spcBef>
               <a:buClrTx/>
             </a:pPr>
@@ -6203,16 +6125,16 @@
                 </a:solidFill>
                 <a:latin typeface="+mn-lt"/>
               </a:rPr>
-              <a:t>n</a:t>
-            </a:r>
-            <a:r>
-              <a:rPr lang="en-US" altLang="en-US" sz="2800" dirty="0" smtClean="0">
+              <a:t>node.js</a:t>
+            </a:r>
+            <a:r>
+              <a:rPr lang="sr-Cyrl-RS" altLang="en-US" sz="2800" dirty="0">
                 <a:solidFill>
                   <a:srgbClr val="000000"/>
                 </a:solidFill>
                 <a:latin typeface="+mn-lt"/>
               </a:rPr>
-              <a:t>ode.js</a:t>
+              <a:t> </a:t>
             </a:r>
             <a:r>
               <a:rPr lang="sr-Cyrl-RS" altLang="en-US" sz="2800" dirty="0" smtClean="0">
@@ -6221,16 +6143,7 @@
                 </a:solidFill>
                 <a:latin typeface="+mn-lt"/>
               </a:rPr>
-              <a:t>, е</a:t>
-            </a:r>
-            <a:r>
-              <a:rPr lang="en-US" altLang="en-US" sz="2800" dirty="0" err="1" smtClean="0">
-                <a:solidFill>
-                  <a:srgbClr val="000000"/>
-                </a:solidFill>
-                <a:latin typeface="+mn-lt"/>
-              </a:rPr>
-              <a:t>xpress</a:t>
+              <a:t> </a:t>
             </a:r>
             <a:endParaRPr lang="en-US" altLang="en-US" sz="2800" dirty="0" smtClean="0">
               <a:solidFill>
@@ -6240,38 +6153,29 @@
             </a:endParaRPr>
           </a:p>
           <a:p>
-            <a:pPr marL="457200" indent="-457200" eaLnBrk="1" hangingPunct="1">
-              <a:spcBef>
-                <a:spcPct val="50000"/>
+            <a:pPr marL="1200150" lvl="1" indent="-457200" eaLnBrk="1" hangingPunct="1">
+              <a:spcBef>
+                <a:spcPts val="600"/>
               </a:spcBef>
               <a:buClrTx/>
             </a:pPr>
             <a:r>
-              <a:rPr lang="en-US" altLang="en-US" sz="2800" dirty="0" smtClean="0">
+              <a:rPr lang="sr-Cyrl-RS" altLang="en-US" sz="2800" dirty="0" smtClean="0">
                 <a:solidFill>
                   <a:srgbClr val="000000"/>
                 </a:solidFill>
                 <a:latin typeface="+mn-lt"/>
               </a:rPr>
-              <a:t>No</a:t>
-            </a:r>
-            <a:r>
-              <a:rPr lang="en-US" altLang="en-US" sz="2800" dirty="0" smtClean="0">
+              <a:t>е</a:t>
+            </a:r>
+            <a:r>
+              <a:rPr lang="en-US" altLang="en-US" sz="2800" dirty="0" err="1" smtClean="0">
                 <a:solidFill>
                   <a:srgbClr val="000000"/>
                 </a:solidFill>
                 <a:latin typeface="+mn-lt"/>
               </a:rPr>
-              <a:t>SQL </a:t>
-            </a:r>
-            <a:r>
-              <a:rPr lang="sr-Cyrl-RS" altLang="en-US" sz="2800" dirty="0" smtClean="0">
-                <a:solidFill>
-                  <a:srgbClr val="000000"/>
-                </a:solidFill>
-                <a:latin typeface="+mn-lt"/>
-              </a:rPr>
-              <a:t>базе података</a:t>
+              <a:t>xpress</a:t>
             </a:r>
             <a:endParaRPr lang="en-US" altLang="en-US" sz="2800" dirty="0" smtClean="0">
               <a:solidFill>
@@ -6288,32 +6192,110 @@
               <a:buClrTx/>
             </a:pPr>
             <a:r>
+              <a:rPr lang="en-US" altLang="en-US" sz="2800" dirty="0" smtClean="0">
+                <a:solidFill>
+                  <a:srgbClr val="000000"/>
+                </a:solidFill>
+                <a:latin typeface="+mn-lt"/>
+              </a:rPr>
+              <a:t>NoSQL </a:t>
+            </a:r>
+            <a:r>
               <a:rPr lang="sr-Cyrl-RS" altLang="en-US" sz="2800" dirty="0" smtClean="0">
                 <a:solidFill>
                   <a:srgbClr val="000000"/>
                 </a:solidFill>
                 <a:latin typeface="+mn-lt"/>
               </a:rPr>
-              <a:t>АЈА</a:t>
+              <a:t>базе </a:t>
+            </a:r>
+            <a:r>
+              <a:rPr lang="sr-Cyrl-RS" altLang="en-US" sz="2800" dirty="0" smtClean="0">
+                <a:solidFill>
+                  <a:srgbClr val="000000"/>
+                </a:solidFill>
+                <a:latin typeface="+mn-lt"/>
+              </a:rPr>
+              <a:t>података</a:t>
+            </a:r>
+            <a:endParaRPr lang="en-US" altLang="en-US" sz="2800" dirty="0" smtClean="0">
+              <a:solidFill>
+                <a:srgbClr val="000000"/>
+              </a:solidFill>
+              <a:latin typeface="+mn-lt"/>
+            </a:endParaRPr>
+          </a:p>
+          <a:p>
+            <a:pPr marL="457200" indent="-457200" eaLnBrk="1" hangingPunct="1">
+              <a:spcBef>
+                <a:spcPct val="50000"/>
+              </a:spcBef>
+              <a:buClrTx/>
+            </a:pPr>
+            <a:r>
+              <a:rPr lang="sr-Cyrl-RS" altLang="en-US" sz="2800" dirty="0" smtClean="0">
+                <a:solidFill>
+                  <a:srgbClr val="000000"/>
+                </a:solidFill>
+                <a:latin typeface="+mn-lt"/>
+              </a:rPr>
+              <a:t>Веб, </a:t>
             </a:r>
             <a:r>
               <a:rPr lang="en-US" altLang="en-US" sz="2800" dirty="0" smtClean="0">
                 <a:solidFill>
                   <a:srgbClr val="000000"/>
                 </a:solidFill>
-                <a:latin typeface="+mn-lt"/>
-              </a:rPr>
-              <a:t>X, SEO, </a:t>
+              </a:rPr>
+              <a:t>JavaScript</a:t>
             </a:r>
             <a:r>
               <a:rPr lang="sr-Cyrl-RS" altLang="en-US" sz="2800" dirty="0" smtClean="0">
                 <a:solidFill>
                   <a:srgbClr val="000000"/>
                 </a:solidFill>
-                <a:latin typeface="+mn-lt"/>
-              </a:rPr>
-              <a:t>итд.  </a:t>
-            </a:r>
+              </a:rPr>
+              <a:t> и </a:t>
+            </a:r>
+            <a:r>
+              <a:rPr lang="en-US" altLang="en-US" sz="2800" dirty="0">
+                <a:solidFill>
+                  <a:srgbClr val="000000"/>
+                </a:solidFill>
+              </a:rPr>
+              <a:t>NoSQL </a:t>
+            </a:r>
+            <a:r>
+              <a:rPr lang="sr-Cyrl-RS" altLang="en-US" sz="2800" dirty="0">
+                <a:solidFill>
+                  <a:srgbClr val="000000"/>
+                </a:solidFill>
+              </a:rPr>
+              <a:t>базе </a:t>
+            </a:r>
+            <a:r>
+              <a:rPr lang="sr-Cyrl-RS" altLang="en-US" sz="2800" dirty="0" smtClean="0">
+                <a:solidFill>
+                  <a:srgbClr val="000000"/>
+                </a:solidFill>
+              </a:rPr>
+              <a:t>података</a:t>
+            </a:r>
+            <a:r>
+              <a:rPr lang="sr-Cyrl-RS" altLang="en-US" sz="2800" dirty="0" smtClean="0">
+                <a:solidFill>
+                  <a:srgbClr val="000000"/>
+                </a:solidFill>
+                <a:latin typeface="+mn-lt"/>
+              </a:rPr>
+              <a:t>  </a:t>
+            </a:r>
+            <a:endParaRPr lang="sr-Cyrl-RS" altLang="en-US" sz="2800" dirty="0" smtClean="0">
+              <a:solidFill>
+                <a:srgbClr val="000000"/>
+              </a:solidFill>
+              <a:latin typeface="+mn-lt"/>
+            </a:endParaRPr>
           </a:p>
         </p:txBody>
       </p:sp>
@@ -6607,7 +6589,7 @@
                                         <p:tgtEl>
                                           <p:spTgt spid="6150">
                                             <p:txEl>
-                                              <p:pRg st="0" end="0"/>
+                                              <p:pRg st="8" end="8"/>
                                             </p:txEl>
                                           </p:spTgt>
                                         </p:tgtEl>
@@ -6625,7 +6607,7 @@
                                         <p:tgtEl>
                                           <p:spTgt spid="6150">
                                             <p:txEl>
-                                              <p:pRg st="0" end="0"/>
+                                              <p:pRg st="8" end="8"/>
                                             </p:txEl>
                                           </p:spTgt>
                                         </p:tgtEl>
@@ -6668,7 +6650,7 @@
                                         <p:tgtEl>
                                           <p:spTgt spid="6150">
                                             <p:txEl>
-                                              <p:pRg st="1" end="1"/>
+                                              <p:pRg st="0" end="0"/>
                                             </p:txEl>
                                           </p:spTgt>
                                         </p:tgtEl>
@@ -6686,7 +6668,7 @@
                                         <p:tgtEl>
                                           <p:spTgt spid="6150">
                                             <p:txEl>
-                                              <p:pRg st="1" end="1"/>
+                                              <p:pRg st="0" end="0"/>
                                             </p:txEl>
                                           </p:spTgt>
                                         </p:tgtEl>
@@ -6729,7 +6711,7 @@
                                         <p:tgtEl>
                                           <p:spTgt spid="6150">
                                             <p:txEl>
-                                              <p:pRg st="2" end="2"/>
+                                              <p:pRg st="1" end="1"/>
                                             </p:txEl>
                                           </p:spTgt>
                                         </p:tgtEl>
@@ -6747,7 +6729,7 @@
                                         <p:tgtEl>
                                           <p:spTgt spid="6150">
                                             <p:txEl>
-                                              <p:pRg st="2" end="2"/>
+                                              <p:pRg st="1" end="1"/>
                                             </p:txEl>
                                           </p:spTgt>
                                         </p:tgtEl>
@@ -6790,6 +6772,67 @@
                                         <p:tgtEl>
                                           <p:spTgt spid="6150">
                                             <p:txEl>
+                                              <p:pRg st="2" end="2"/>
+                                            </p:txEl>
+                                          </p:spTgt>
+                                        </p:tgtEl>
+                                        <p:attrNameLst>
+                                          <p:attrName>style.visibility</p:attrName>
+                                        </p:attrNameLst>
+                                      </p:cBhvr>
+                                      <p:to>
+                                        <p:strVal val="visible"/>
+                                      </p:to>
+                                    </p:set>
+                                    <p:animEffect transition="in" filter="blinds(horizontal)">
+                                      <p:cBhvr>
+                                        <p:cTn id="42" dur="500"/>
+                                        <p:tgtEl>
+                                          <p:spTgt spid="6150">
+                                            <p:txEl>
+                                              <p:pRg st="2" end="2"/>
+                                            </p:txEl>
+                                          </p:spTgt>
+                                        </p:tgtEl>
+                                      </p:cBhvr>
+                                    </p:animEffect>
+                                  </p:childTnLst>
+                                </p:cTn>
+                              </p:par>
+                            </p:childTnLst>
+                          </p:cTn>
+                        </p:par>
+                      </p:childTnLst>
+                    </p:cTn>
+                  </p:par>
+                  <p:par>
+                    <p:cTn id="43" fill="hold">
+                      <p:stCondLst>
+                        <p:cond delay="indefinite"/>
+                      </p:stCondLst>
+                      <p:childTnLst>
+                        <p:par>
+                          <p:cTn id="44" fill="hold">
+                            <p:stCondLst>
+                              <p:cond delay="0"/>
+                            </p:stCondLst>
+                            <p:childTnLst>
+                              <p:par>
+                                <p:cTn id="45" presetID="3" presetClass="entr" presetSubtype="10" fill="hold" nodeType="clickEffect">
+                                  <p:stCondLst>
+                                    <p:cond delay="0"/>
+                                  </p:stCondLst>
+                                  <p:childTnLst>
+                                    <p:set>
+                                      <p:cBhvr>
+                                        <p:cTn id="46" dur="1" fill="hold">
+                                          <p:stCondLst>
+                                            <p:cond delay="0"/>
+                                          </p:stCondLst>
+                                        </p:cTn>
+                                        <p:tgtEl>
+                                          <p:spTgt spid="6150">
+                                            <p:txEl>
                                               <p:pRg st="3" end="3"/>
                                             </p:txEl>
                                           </p:spTgt>
@@ -6804,7 +6847,7 @@
                                     </p:set>
                                     <p:animEffect transition="in" filter="blinds(horizontal)">
                                       <p:cBhvr>
-                                        <p:cTn id="42" dur="500"/>
+                                        <p:cTn id="47" dur="500"/>
                                         <p:tgtEl>
                                           <p:spTgt spid="6150">
                                             <p:txEl>
@@ -7494,16 +7537,16 @@
                 </a:solidFill>
                 <a:latin typeface="+mn-lt"/>
               </a:rPr>
-              <a:t>45 JavaScript, JQuery, PHP/Node.js, </a:t>
-            </a:r>
-            <a:r>
-              <a:rPr lang="en-US" altLang="en-US" sz="2800" dirty="0" err="1">
+              <a:t>45 JavaScript, </a:t>
+            </a:r>
+            <a:r>
+              <a:rPr lang="en-US" altLang="en-US" sz="2800" dirty="0" smtClean="0">
                 <a:solidFill>
                   <a:srgbClr val="000000"/>
                 </a:solidFill>
                 <a:latin typeface="+mn-lt"/>
               </a:rPr>
-              <a:t>MySql</a:t>
+              <a:t>Node.js</a:t>
             </a:r>
             <a:r>
               <a:rPr lang="en-US" altLang="en-US" sz="2800" dirty="0">
@@ -7512,7 +7555,25 @@
                 </a:solidFill>
                 <a:latin typeface="+mn-lt"/>
               </a:rPr>
-              <a:t>, AJAX </a:t>
+              <a:t>, </a:t>
+            </a:r>
+            <a:r>
+              <a:rPr lang="en-US" altLang="en-US" sz="2800" dirty="0" smtClean="0">
+                <a:solidFill>
+                  <a:srgbClr val="000000"/>
+                </a:solidFill>
+                <a:latin typeface="+mn-lt"/>
+              </a:rPr>
+              <a:t>MongoDB, </a:t>
+            </a:r>
+            <a:r>
+              <a:rPr lang="en-US" altLang="en-US" sz="2800" dirty="0">
+                <a:solidFill>
+                  <a:srgbClr val="000000"/>
+                </a:solidFill>
+                <a:latin typeface="+mn-lt"/>
+              </a:rPr>
+              <a:t>AJAX </a:t>
             </a:r>
             <a:r>
               <a:rPr lang="en-US" altLang="en-US" sz="2800" dirty="0" smtClean="0">
@@ -8097,7 +8158,7 @@
         <p:spPr bwMode="auto">
           <a:xfrm>
             <a:off x="304800" y="1556792"/>
-            <a:ext cx="8610600" cy="3785652"/>
+            <a:ext cx="8610600" cy="4462760"/>
           </a:xfrm>
           <a:prstGeom prst="rect">
             <a:avLst/>
@@ -8890,6 +8951,156 @@
                 <a:latin typeface="+mn-lt"/>
               </a:rPr>
               <a:t>10</a:t>
+            </a:r>
+            <a:r>
+              <a:rPr lang="en-US" sz="2000" dirty="0" smtClean="0">
+                <a:solidFill>
+                  <a:srgbClr val="CCCCFF">
+                    <a:lumMod val="25000"/>
+                  </a:srgbClr>
+                </a:solidFill>
+                <a:latin typeface="+mn-lt"/>
+              </a:rPr>
+              <a:t>.</a:t>
+            </a:r>
+            <a:endParaRPr lang="sr-Cyrl-RS" sz="2000" dirty="0" smtClean="0">
+              <a:solidFill>
+                <a:srgbClr val="CCCCFF">
+                  <a:lumMod val="25000"/>
+                </a:srgbClr>
+              </a:solidFill>
+              <a:latin typeface="+mn-lt"/>
+            </a:endParaRPr>
+          </a:p>
+          <a:p>
+            <a:pPr marL="514350" indent="-514350" eaLnBrk="0" hangingPunct="0">
+              <a:spcBef>
+                <a:spcPct val="20000"/>
+              </a:spcBef>
+              <a:buFont typeface="Times YU" pitchFamily="18" charset="0"/>
+              <a:buAutoNum type="arabicPeriod"/>
+              <a:defRPr/>
+            </a:pPr>
+            <a:r>
+              <a:rPr lang="sr-Latn-RS" sz="2000" dirty="0" err="1" smtClean="0">
+                <a:solidFill>
+                  <a:srgbClr val="CCCCFF">
+                    <a:lumMod val="25000"/>
+                  </a:srgbClr>
+                </a:solidFill>
+                <a:latin typeface="+mn-lt"/>
+              </a:rPr>
+              <a:t>NoSQL</a:t>
+            </a:r>
+            <a:r>
+              <a:rPr lang="sr-Cyrl-RS" sz="2000" dirty="0" smtClean="0">
+                <a:solidFill>
+                  <a:srgbClr val="CCCCFF">
+                    <a:lumMod val="25000"/>
+                  </a:srgbClr>
+                </a:solidFill>
+                <a:latin typeface="+mn-lt"/>
+              </a:rPr>
+              <a:t> </a:t>
+            </a:r>
+            <a:r>
+              <a:rPr lang="sr-Latn-RS" sz="2000" dirty="0" smtClean="0">
+                <a:solidFill>
+                  <a:srgbClr val="CCCCFF">
+                    <a:lumMod val="25000"/>
+                  </a:srgbClr>
+                </a:solidFill>
+                <a:latin typeface="+mn-lt"/>
+              </a:rPr>
+              <a:t>for Mere</a:t>
+            </a:r>
+            <a:r>
+              <a:rPr lang="sr-Cyrl-RS" sz="2000" dirty="0" smtClean="0">
+                <a:solidFill>
+                  <a:srgbClr val="CCCCFF">
+                    <a:lumMod val="25000"/>
+                  </a:srgbClr>
+                </a:solidFill>
+                <a:latin typeface="+mn-lt"/>
+              </a:rPr>
+              <a:t> </a:t>
+            </a:r>
+            <a:r>
+              <a:rPr lang="sr-Latn-RS" sz="2000" dirty="0" err="1" smtClean="0">
+                <a:solidFill>
+                  <a:srgbClr val="CCCCFF">
+                    <a:lumMod val="25000"/>
+                  </a:srgbClr>
+                </a:solidFill>
+                <a:latin typeface="+mn-lt"/>
+              </a:rPr>
+              <a:t>Mortals</a:t>
+            </a:r>
+            <a:r>
+              <a:rPr lang="sr-Cyrl-RS" sz="2000" dirty="0">
+                <a:solidFill>
+                  <a:srgbClr val="CCCCFF">
+                    <a:lumMod val="25000"/>
+                  </a:srgbClr>
+                </a:solidFill>
+                <a:latin typeface="+mn-lt"/>
+              </a:rPr>
+              <a:t>, </a:t>
+            </a:r>
+            <a:r>
+              <a:rPr lang="sr-Cyrl-RS" sz="2000" dirty="0" smtClean="0">
+                <a:solidFill>
+                  <a:srgbClr val="CCCCFF">
+                    <a:lumMod val="25000"/>
+                  </a:srgbClr>
+                </a:solidFill>
+                <a:latin typeface="+mn-lt"/>
+              </a:rPr>
+              <a:t>аутор </a:t>
+            </a:r>
+            <a:r>
+              <a:rPr lang="en-US" sz="2000" dirty="0" smtClean="0">
+                <a:solidFill>
+                  <a:srgbClr val="CCCCFF">
+                    <a:lumMod val="25000"/>
+                  </a:srgbClr>
+                </a:solidFill>
+                <a:latin typeface="+mn-lt"/>
+              </a:rPr>
+              <a:t>Dan Sullivan, </a:t>
+            </a:r>
+            <a:r>
+              <a:rPr lang="sr-Cyrl-RS" sz="2000" dirty="0" smtClean="0">
+                <a:solidFill>
+                  <a:srgbClr val="CCCCFF">
+                    <a:lumMod val="25000"/>
+                  </a:srgbClr>
+                </a:solidFill>
+                <a:latin typeface="+mn-lt"/>
+              </a:rPr>
+              <a:t>издавач </a:t>
+            </a:r>
+            <a:r>
+              <a:rPr lang="en-US" sz="2000" dirty="0" smtClean="0">
+                <a:solidFill>
+                  <a:srgbClr val="CCCCFF">
+                    <a:lumMod val="25000"/>
+                  </a:srgbClr>
+                </a:solidFill>
+                <a:latin typeface="+mn-lt"/>
+              </a:rPr>
+              <a:t>Addison-Wesley, 201</a:t>
+            </a:r>
+            <a:r>
+              <a:rPr lang="sr-Cyrl-RS" sz="2000" dirty="0" smtClean="0">
+                <a:solidFill>
+                  <a:srgbClr val="CCCCFF">
+                    <a:lumMod val="25000"/>
+                  </a:srgbClr>
+                </a:solidFill>
+                <a:latin typeface="+mn-lt"/>
+              </a:rPr>
+              <a:t>5</a:t>
             </a:r>
             <a:r>
               <a:rPr lang="en-US" sz="2000" dirty="0" smtClean="0">
@@ -9297,6 +9508,67 @@
                       </p:childTnLst>
                     </p:cTn>
                   </p:par>
+                  <p:par>
+                    <p:cTn id="33" fill="hold">
+                      <p:stCondLst>
+                        <p:cond delay="indefinite"/>
+                      </p:stCondLst>
+                      <p:childTnLst>
+                        <p:par>
+                          <p:cTn id="34" fill="hold">
+                            <p:stCondLst>
+                              <p:cond delay="0"/>
+                            </p:stCondLst>
+                            <p:childTnLst>
+                              <p:par>
+                                <p:cTn id="35" presetID="10" presetClass="entr" presetSubtype="0" fill="hold" nodeType="clickEffect">
+                                  <p:stCondLst>
+                                    <p:cond delay="0"/>
+                                  </p:stCondLst>
+                                  <p:childTnLst>
+                                    <p:set>
+                                      <p:cBhvr>
+                                        <p:cTn id="36" dur="1" fill="hold">
+                                          <p:stCondLst>
+                                            <p:cond delay="0"/>
+                                          </p:stCondLst>
+                                        </p:cTn>
+                                        <p:tgtEl>
+                                          <p:spTgt spid="8197">
+                                            <p:txEl>
+                                              <p:pRg st="6" end="6"/>
+                                            </p:txEl>
+                                          </p:spTgt>
+                                        </p:tgtEl>
+                                        <p:attrNameLst>
+                                          <p:attrName>style.visibility</p:attrName>
+                                        </p:attrNameLst>
+                                      </p:cBhvr>
+                                      <p:to>
+                                        <p:strVal val="visible"/>
+                                      </p:to>
+                                    </p:set>
+                                    <p:animEffect transition="in" filter="fade">
+                                      <p:cBhvr>
+                                        <p:cTn id="37" dur="500"/>
+                                        <p:tgtEl>
+                                          <p:spTgt spid="8197">
+                                            <p:txEl>
+                                              <p:pRg st="6" end="6"/>
+                                            </p:txEl>
+                                          </p:spTgt>
+                                        </p:tgtEl>
+                                      </p:cBhvr>
+                                    </p:animEffect>
+                                  </p:childTnLst>
+                                </p:cTn>
+                              </p:par>
+                            </p:childTnLst>
+                          </p:cTn>
+                        </p:par>
+                      </p:childTnLst>
+                    </p:cTn>
+                  </p:par>
                 </p:childTnLst>
               </p:cTn>
               <p:prevCondLst>
@@ -9423,7 +9695,7 @@
               <a:defRPr/>
             </a:pPr>
             <a:r>
-              <a:rPr lang="sr-Cyrl-RS" sz="2000" dirty="0" smtClean="0">
+              <a:rPr lang="ru-RU" sz="2000" dirty="0" smtClean="0">
                 <a:solidFill>
                   <a:srgbClr val="CCCCFF">
                     <a:lumMod val="25000"/>
@@ -9431,10 +9703,10 @@
                 </a:solidFill>
                 <a:latin typeface="+mn-lt"/>
               </a:rPr>
-              <a:t>Материјали </a:t>
-            </a:r>
-            <a:r>
-              <a:rPr lang="sr-Cyrl-RS" sz="2000" dirty="0">
+              <a:t>Веб </a:t>
+            </a:r>
+            <a:r>
+              <a:rPr lang="ru-RU" sz="2000" dirty="0" smtClean="0">
                 <a:solidFill>
                   <a:srgbClr val="CCCCFF">
                     <a:lumMod val="25000"/>
@@ -9442,28 +9714,7 @@
                 </a:solidFill>
                 <a:latin typeface="+mn-lt"/>
               </a:rPr>
-              <a:t>на веб сајту наставника и асистента</a:t>
-            </a:r>
-          </a:p>
-          <a:p>
-            <a:pPr marL="514350" indent="-514350" eaLnBrk="0" hangingPunct="0">
-              <a:spcBef>
-                <a:spcPct val="20000"/>
-              </a:spcBef>
-              <a:buFont typeface="Times YU" pitchFamily="18" charset="0"/>
-              <a:buAutoNum type="arabicPeriod" startAt="8"/>
-              <a:defRPr/>
-            </a:pPr>
-            <a:r>
-              <a:rPr lang="ru-RU" sz="2000" dirty="0" smtClean="0">
-                <a:solidFill>
-                  <a:srgbClr val="CCCCFF">
-                    <a:lumMod val="25000"/>
-                  </a:srgbClr>
-                </a:solidFill>
-                <a:latin typeface="+mn-lt"/>
-              </a:rPr>
-              <a:t>Веб сајт </a:t>
+              <a:t>сајт </a:t>
             </a:r>
             <a:r>
               <a:rPr lang="ru-RU" sz="2000" dirty="0">
@@ -9553,7 +9804,7 @@
               <a:defRPr/>
             </a:pPr>
             <a:r>
-              <a:rPr lang="sr-Cyrl-RS" sz="2000" dirty="0" smtClean="0">
+              <a:rPr lang="ru-RU" sz="2000" dirty="0">
                 <a:solidFill>
                   <a:srgbClr val="CCCCFF">
                     <a:lumMod val="25000"/>
@@ -9561,7 +9812,181 @@
                 </a:solidFill>
                 <a:latin typeface="+mn-lt"/>
               </a:rPr>
-              <a:t>Остали ресурси </a:t>
+              <a:t>Веб </a:t>
+            </a:r>
+            <a:r>
+              <a:rPr lang="ru-RU" sz="2000" dirty="0" err="1">
+                <a:solidFill>
+                  <a:srgbClr val="CCCCFF">
+                    <a:lumMod val="25000"/>
+                  </a:srgbClr>
+                </a:solidFill>
+                <a:latin typeface="+mn-lt"/>
+              </a:rPr>
+              <a:t>сајт</a:t>
+            </a:r>
+            <a:r>
+              <a:rPr lang="ru-RU" sz="2000" dirty="0">
+                <a:solidFill>
+                  <a:srgbClr val="CCCCFF">
+                    <a:lumMod val="25000"/>
+                  </a:srgbClr>
+                </a:solidFill>
+                <a:latin typeface="+mn-lt"/>
+              </a:rPr>
+              <a:t> </a:t>
+            </a:r>
+            <a:r>
+              <a:rPr lang="ru-RU" sz="2000" dirty="0" smtClean="0">
+                <a:solidFill>
+                  <a:srgbClr val="CCCCFF">
+                    <a:lumMod val="25000"/>
+                  </a:srgbClr>
+                </a:solidFill>
+                <a:latin typeface="+mn-lt"/>
+              </a:rPr>
+              <a:t>„</a:t>
+            </a:r>
+            <a:r>
+              <a:rPr lang="en-US" sz="2000" dirty="0" err="1" smtClean="0">
+                <a:solidFill>
+                  <a:srgbClr val="CCCCFF">
+                    <a:lumMod val="25000"/>
+                  </a:srgbClr>
+                </a:solidFill>
+                <a:latin typeface="+mn-lt"/>
+              </a:rPr>
+              <a:t>TutorialsPoint</a:t>
+            </a:r>
+            <a:r>
+              <a:rPr lang="ru-RU" sz="2000" dirty="0" smtClean="0">
+                <a:solidFill>
+                  <a:srgbClr val="CCCCFF">
+                    <a:lumMod val="25000"/>
+                  </a:srgbClr>
+                </a:solidFill>
+                <a:latin typeface="+mn-lt"/>
+              </a:rPr>
+              <a:t>“, </a:t>
+            </a:r>
+            <a:r>
+              <a:rPr lang="ru-RU" sz="2000" dirty="0">
+                <a:solidFill>
+                  <a:srgbClr val="CCCCFF">
+                    <a:lumMod val="25000"/>
+                  </a:srgbClr>
+                </a:solidFill>
+                <a:latin typeface="+mn-lt"/>
+              </a:rPr>
+              <a:t>на </a:t>
+            </a:r>
+            <a:r>
+              <a:rPr lang="ru-RU" sz="2000" dirty="0" err="1">
+                <a:solidFill>
+                  <a:srgbClr val="CCCCFF">
+                    <a:lumMod val="25000"/>
+                  </a:srgbClr>
+                </a:solidFill>
+                <a:latin typeface="+mn-lt"/>
+              </a:rPr>
+              <a:t>адреси</a:t>
+            </a:r>
+            <a:r>
+              <a:rPr lang="ru-RU" sz="2000" dirty="0">
+                <a:solidFill>
+                  <a:srgbClr val="CCCCFF">
+                    <a:lumMod val="25000"/>
+                  </a:srgbClr>
+                </a:solidFill>
+                <a:latin typeface="+mn-lt"/>
+              </a:rPr>
+              <a:t> </a:t>
+            </a:r>
+            <a:r>
+              <a:rPr lang="sr-Latn-RS" sz="2000" dirty="0">
+                <a:solidFill>
+                  <a:srgbClr val="CCCCFF">
+                    <a:lumMod val="25000"/>
+                  </a:srgbClr>
+                </a:solidFill>
+                <a:latin typeface="+mn-lt"/>
+                <a:hlinkClick r:id="rId3"/>
+              </a:rPr>
+              <a:t>https://www.tutorialspoint.com</a:t>
+            </a:r>
+            <a:r>
+              <a:rPr lang="sr-Latn-RS" sz="2000" dirty="0" smtClean="0">
+                <a:solidFill>
+                  <a:srgbClr val="CCCCFF">
+                    <a:lumMod val="25000"/>
+                  </a:srgbClr>
+                </a:solidFill>
+                <a:latin typeface="+mn-lt"/>
+                <a:hlinkClick r:id="rId3"/>
+              </a:rPr>
+              <a:t>/</a:t>
+            </a:r>
+            <a:r>
+              <a:rPr lang="en-US" sz="2000" dirty="0" smtClean="0">
+                <a:solidFill>
+                  <a:srgbClr val="CCCCFF">
+                    <a:lumMod val="25000"/>
+                  </a:srgbClr>
+                </a:solidFill>
+                <a:latin typeface="+mn-lt"/>
+              </a:rPr>
+              <a:t> </a:t>
+            </a:r>
+            <a:r>
+              <a:rPr lang="ru-RU" sz="2000" dirty="0" smtClean="0">
+                <a:solidFill>
+                  <a:srgbClr val="CCCCFF">
+                    <a:lumMod val="25000"/>
+                  </a:srgbClr>
+                </a:solidFill>
+                <a:latin typeface="+mn-lt"/>
+              </a:rPr>
+              <a:t> </a:t>
+            </a:r>
+            <a:endParaRPr lang="en-US" sz="2000" dirty="0" smtClean="0">
+              <a:solidFill>
+                <a:srgbClr val="CCCCFF">
+                  <a:lumMod val="25000"/>
+                </a:srgbClr>
+              </a:solidFill>
+              <a:latin typeface="+mn-lt"/>
+            </a:endParaRPr>
+          </a:p>
+          <a:p>
+            <a:pPr marL="514350" indent="-514350" eaLnBrk="0" hangingPunct="0">
+              <a:spcBef>
+                <a:spcPct val="20000"/>
+              </a:spcBef>
+              <a:buFont typeface="Times YU" pitchFamily="18" charset="0"/>
+              <a:buAutoNum type="arabicPeriod" startAt="8"/>
+              <a:defRPr/>
+            </a:pPr>
+            <a:r>
+              <a:rPr lang="sr-Cyrl-RS" sz="2000" dirty="0" smtClean="0">
+                <a:solidFill>
+                  <a:srgbClr val="CCCCFF">
+                    <a:lumMod val="25000"/>
+                  </a:srgbClr>
+                </a:solidFill>
+                <a:latin typeface="+mn-lt"/>
+              </a:rPr>
+              <a:t>Остали </a:t>
+            </a:r>
+            <a:r>
+              <a:rPr lang="sr-Cyrl-RS" sz="2000" dirty="0" smtClean="0">
+                <a:solidFill>
+                  <a:srgbClr val="CCCCFF">
+                    <a:lumMod val="25000"/>
+                  </a:srgbClr>
+                </a:solidFill>
+                <a:latin typeface="+mn-lt"/>
+              </a:rPr>
+              <a:t>ресурси </a:t>
             </a:r>
             <a:r>
               <a:rPr lang="sr-Cyrl-RS" sz="2000" dirty="0">
@@ -9689,7 +10114,7 @@
                                         <p:tgtEl>
                                           <p:spTgt spid="8197">
                                             <p:txEl>
-                                              <p:pRg st="1" end="1"/>
+                                              <p:pRg st="0" end="0"/>
                                             </p:txEl>
                                           </p:spTgt>
                                         </p:tgtEl>
@@ -9707,7 +10132,7 @@
                                         <p:tgtEl>
                                           <p:spTgt spid="8197">
                                             <p:txEl>
-                                              <p:pRg st="1" end="1"/>
+                                              <p:pRg st="0" end="0"/>
                                             </p:txEl>
                                           </p:spTgt>
                                         </p:tgtEl>
@@ -9750,7 +10175,7 @@
                                         <p:tgtEl>
                                           <p:spTgt spid="8197">
                                             <p:txEl>
-                                              <p:pRg st="2" end="2"/>
+                                              <p:pRg st="1" end="1"/>
                                             </p:txEl>
                                           </p:spTgt>
                                         </p:tgtEl>
@@ -9768,7 +10193,7 @@
                                         <p:tgtEl>
                                           <p:spTgt spid="8197">
                                             <p:txEl>
-                                              <p:pRg st="2" end="2"/>
+                                              <p:pRg st="1" end="1"/>
                                             </p:txEl>
                                           </p:spTgt>
                                         </p:tgtEl>
@@ -9811,7 +10236,7 @@
                                         <p:tgtEl>
                                           <p:spTgt spid="8197">
                                             <p:txEl>
-                                              <p:pRg st="0" end="0"/>
+                                              <p:pRg st="2" end="2"/>
                                             </p:txEl>
                                           </p:spTgt>
                                         </p:tgtEl>
@@ -9829,7 +10254,7 @@
                                         <p:tgtEl>
                                           <p:spTgt spid="8197">
                                             <p:txEl>
-                                              <p:pRg st="0" end="0"/>
+                                              <p:pRg st="2" end="2"/>
                                             </p:txEl>
                                           </p:spTgt>
                                         </p:tgtEl>

--- a/predavanja/prezentacije/UVIT00-01-Koncepcija kursa.pptx
+++ b/predavanja/prezentacije/UVIT00-01-Koncepcija kursa.pptx
@@ -3244,7 +3244,7 @@
         </p:nvSpPr>
         <p:spPr bwMode="auto">
           <a:xfrm>
-            <a:off x="181495" y="116632"/>
+            <a:off x="181495" y="332656"/>
             <a:ext cx="8062913" cy="1144588"/>
           </a:xfrm>
           <a:prstGeom prst="rect">
@@ -6207,16 +6207,7 @@
                 </a:solidFill>
                 <a:latin typeface="+mn-lt"/>
               </a:rPr>
-              <a:t>базе </a:t>
-            </a:r>
-            <a:r>
-              <a:rPr lang="sr-Cyrl-RS" altLang="en-US" sz="2800" dirty="0" smtClean="0">
-                <a:solidFill>
-                  <a:srgbClr val="000000"/>
-                </a:solidFill>
-                <a:latin typeface="+mn-lt"/>
-              </a:rPr>
-              <a:t>података</a:t>
+              <a:t>базе података</a:t>
             </a:r>
             <a:endParaRPr lang="en-US" altLang="en-US" sz="2800" dirty="0" smtClean="0">
               <a:solidFill>
@@ -6290,12 +6281,6 @@
               </a:rPr>
               <a:t>  </a:t>
             </a:r>
-            <a:endParaRPr lang="sr-Cyrl-RS" altLang="en-US" sz="2800" dirty="0" smtClean="0">
-              <a:solidFill>
-                <a:srgbClr val="000000"/>
-              </a:solidFill>
-              <a:latin typeface="+mn-lt"/>
-            </a:endParaRPr>
           </a:p>
         </p:txBody>
       </p:sp>
@@ -9703,18 +9688,7 @@
                 </a:solidFill>
                 <a:latin typeface="+mn-lt"/>
               </a:rPr>
-              <a:t>Веб </a:t>
-            </a:r>
-            <a:r>
-              <a:rPr lang="ru-RU" sz="2000" dirty="0" smtClean="0">
-                <a:solidFill>
-                  <a:srgbClr val="CCCCFF">
-                    <a:lumMod val="25000"/>
-                  </a:srgbClr>
-                </a:solidFill>
-                <a:latin typeface="+mn-lt"/>
-              </a:rPr>
-              <a:t>сајт </a:t>
+              <a:t>Веб сајт </a:t>
             </a:r>
             <a:r>
               <a:rPr lang="ru-RU" sz="2000" dirty="0">
@@ -9975,18 +9949,7 @@
                 </a:solidFill>
                 <a:latin typeface="+mn-lt"/>
               </a:rPr>
-              <a:t>Остали </a:t>
-            </a:r>
-            <a:r>
-              <a:rPr lang="sr-Cyrl-RS" sz="2000" dirty="0" smtClean="0">
-                <a:solidFill>
-                  <a:srgbClr val="CCCCFF">
-                    <a:lumMod val="25000"/>
-                  </a:srgbClr>
-                </a:solidFill>
-                <a:latin typeface="+mn-lt"/>
-              </a:rPr>
-              <a:t>ресурси </a:t>
+              <a:t>Остали ресурси </a:t>
             </a:r>
             <a:r>
               <a:rPr lang="sr-Cyrl-RS" sz="2000" dirty="0">

--- a/predavanja/prezentacije/UVIT00-01-Koncepcija kursa.pptx
+++ b/predavanja/prezentacije/UVIT00-01-Koncepcija kursa.pptx
@@ -2037,7 +2037,7 @@
                 <a:latin typeface="Times New Roman" pitchFamily="18" charset="0"/>
                 <a:cs typeface="Arial" charset="0"/>
               </a:rPr>
-              <a:t>6</a:t>
+              <a:t>7</a:t>
             </a:r>
             <a:endParaRPr lang="en-US" sz="800" dirty="0" smtClean="0">
               <a:solidFill>
@@ -6330,7 +6330,7 @@
                                         <p:tgtEl>
                                           <p:spTgt spid="6150">
                                             <p:txEl>
-                                              <p:pRg st="4" end="4"/>
+                                              <p:pRg st="0" end="0"/>
                                             </p:txEl>
                                           </p:spTgt>
                                         </p:tgtEl>
@@ -6348,7 +6348,7 @@
                                         <p:tgtEl>
                                           <p:spTgt spid="6150">
                                             <p:txEl>
-                                              <p:pRg st="4" end="4"/>
+                                              <p:pRg st="0" end="0"/>
                                             </p:txEl>
                                           </p:spTgt>
                                         </p:tgtEl>
@@ -6391,7 +6391,7 @@
                                         <p:tgtEl>
                                           <p:spTgt spid="6150">
                                             <p:txEl>
-                                              <p:pRg st="5" end="5"/>
+                                              <p:pRg st="1" end="1"/>
                                             </p:txEl>
                                           </p:spTgt>
                                         </p:tgtEl>
@@ -6409,7 +6409,7 @@
                                         <p:tgtEl>
                                           <p:spTgt spid="6150">
                                             <p:txEl>
-                                              <p:pRg st="5" end="5"/>
+                                              <p:pRg st="1" end="1"/>
                                             </p:txEl>
                                           </p:spTgt>
                                         </p:tgtEl>
@@ -6452,7 +6452,7 @@
                                         <p:tgtEl>
                                           <p:spTgt spid="6150">
                                             <p:txEl>
-                                              <p:pRg st="6" end="6"/>
+                                              <p:pRg st="2" end="2"/>
                                             </p:txEl>
                                           </p:spTgt>
                                         </p:tgtEl>
@@ -6470,7 +6470,7 @@
                                         <p:tgtEl>
                                           <p:spTgt spid="6150">
                                             <p:txEl>
-                                              <p:pRg st="6" end="6"/>
+                                              <p:pRg st="2" end="2"/>
                                             </p:txEl>
                                           </p:spTgt>
                                         </p:tgtEl>
@@ -6513,7 +6513,7 @@
                                         <p:tgtEl>
                                           <p:spTgt spid="6150">
                                             <p:txEl>
-                                              <p:pRg st="7" end="7"/>
+                                              <p:pRg st="3" end="3"/>
                                             </p:txEl>
                                           </p:spTgt>
                                         </p:tgtEl>
@@ -6531,7 +6531,7 @@
                                         <p:tgtEl>
                                           <p:spTgt spid="6150">
                                             <p:txEl>
-                                              <p:pRg st="7" end="7"/>
+                                              <p:pRg st="3" end="3"/>
                                             </p:txEl>
                                           </p:spTgt>
                                         </p:tgtEl>
@@ -6574,7 +6574,7 @@
                                         <p:tgtEl>
                                           <p:spTgt spid="6150">
                                             <p:txEl>
-                                              <p:pRg st="8" end="8"/>
+                                              <p:pRg st="4" end="4"/>
                                             </p:txEl>
                                           </p:spTgt>
                                         </p:tgtEl>
@@ -6592,7 +6592,7 @@
                                         <p:tgtEl>
                                           <p:spTgt spid="6150">
                                             <p:txEl>
-                                              <p:pRg st="8" end="8"/>
+                                              <p:pRg st="4" end="4"/>
                                             </p:txEl>
                                           </p:spTgt>
                                         </p:tgtEl>
@@ -6635,7 +6635,7 @@
                                         <p:tgtEl>
                                           <p:spTgt spid="6150">
                                             <p:txEl>
-                                              <p:pRg st="0" end="0"/>
+                                              <p:pRg st="5" end="5"/>
                                             </p:txEl>
                                           </p:spTgt>
                                         </p:tgtEl>
@@ -6653,7 +6653,7 @@
                                         <p:tgtEl>
                                           <p:spTgt spid="6150">
                                             <p:txEl>
-                                              <p:pRg st="0" end="0"/>
+                                              <p:pRg st="5" end="5"/>
                                             </p:txEl>
                                           </p:spTgt>
                                         </p:tgtEl>
@@ -6696,7 +6696,7 @@
                                         <p:tgtEl>
                                           <p:spTgt spid="6150">
                                             <p:txEl>
-                                              <p:pRg st="1" end="1"/>
+                                              <p:pRg st="6" end="6"/>
                                             </p:txEl>
                                           </p:spTgt>
                                         </p:tgtEl>
@@ -6714,7 +6714,7 @@
                                         <p:tgtEl>
                                           <p:spTgt spid="6150">
                                             <p:txEl>
-                                              <p:pRg st="1" end="1"/>
+                                              <p:pRg st="6" end="6"/>
                                             </p:txEl>
                                           </p:spTgt>
                                         </p:tgtEl>
@@ -6757,7 +6757,7 @@
                                         <p:tgtEl>
                                           <p:spTgt spid="6150">
                                             <p:txEl>
-                                              <p:pRg st="2" end="2"/>
+                                              <p:pRg st="7" end="7"/>
                                             </p:txEl>
                                           </p:spTgt>
                                         </p:tgtEl>
@@ -6775,7 +6775,7 @@
                                         <p:tgtEl>
                                           <p:spTgt spid="6150">
                                             <p:txEl>
-                                              <p:pRg st="2" end="2"/>
+                                              <p:pRg st="7" end="7"/>
                                             </p:txEl>
                                           </p:spTgt>
                                         </p:tgtEl>
@@ -6818,7 +6818,7 @@
                                         <p:tgtEl>
                                           <p:spTgt spid="6150">
                                             <p:txEl>
-                                              <p:pRg st="3" end="3"/>
+                                              <p:pRg st="8" end="8"/>
                                             </p:txEl>
                                           </p:spTgt>
                                         </p:tgtEl>
@@ -6836,7 +6836,7 @@
                                         <p:tgtEl>
                                           <p:spTgt spid="6150">
                                             <p:txEl>
-                                              <p:pRg st="3" end="3"/>
+                                              <p:pRg st="8" end="8"/>
                                             </p:txEl>
                                           </p:spTgt>
                                         </p:tgtEl>
@@ -9243,33 +9243,15 @@
                                   </p:childTnLst>
                                 </p:cTn>
                               </p:par>
-                            </p:childTnLst>
-                          </p:cTn>
-                        </p:par>
-                      </p:childTnLst>
-                    </p:cTn>
-                  </p:par>
-                  <p:par>
-                    <p:cTn id="13" fill="hold">
-                      <p:stCondLst>
-                        <p:cond delay="indefinite"/>
-                      </p:stCondLst>
-                      <p:childTnLst>
-                        <p:par>
-                          <p:cTn id="14" fill="hold">
-                            <p:stCondLst>
-                              <p:cond delay="0"/>
-                            </p:stCondLst>
-                            <p:childTnLst>
                               <p:par>
-                                <p:cTn id="15" presetID="10" presetClass="entr" presetSubtype="0" fill="hold" nodeType="clickEffect">
+                                <p:cTn id="13" presetID="10" presetClass="entr" presetSubtype="0" fill="hold" nodeType="withEffect">
                                   <p:stCondLst>
                                     <p:cond delay="0"/>
                                   </p:stCondLst>
                                   <p:childTnLst>
                                     <p:set>
                                       <p:cBhvr>
-                                        <p:cTn id="16" dur="1" fill="hold">
+                                        <p:cTn id="14" dur="1" fill="hold">
                                           <p:stCondLst>
                                             <p:cond delay="0"/>
                                           </p:stCondLst>
@@ -9291,7 +9273,7 @@
                                     </p:set>
                                     <p:animEffect transition="in" filter="fade">
                                       <p:cBhvr>
-                                        <p:cTn id="17" dur="500"/>
+                                        <p:cTn id="15" dur="500"/>
                                         <p:tgtEl>
                                           <p:spTgt spid="8197">
                                             <p:txEl>
@@ -9311,26 +9293,26 @@
                     </p:cTn>
                   </p:par>
                   <p:par>
-                    <p:cTn id="18" fill="hold">
+                    <p:cTn id="16" fill="hold">
                       <p:stCondLst>
                         <p:cond delay="indefinite"/>
                       </p:stCondLst>
                       <p:childTnLst>
                         <p:par>
-                          <p:cTn id="19" fill="hold">
+                          <p:cTn id="17" fill="hold">
                             <p:stCondLst>
                               <p:cond delay="0"/>
                             </p:stCondLst>
                             <p:childTnLst>
                               <p:par>
-                                <p:cTn id="20" presetID="10" presetClass="entr" presetSubtype="0" fill="hold" nodeType="clickEffect">
+                                <p:cTn id="18" presetID="10" presetClass="entr" presetSubtype="0" fill="hold" nodeType="clickEffect">
                                   <p:stCondLst>
                                     <p:cond delay="0"/>
                                   </p:stCondLst>
                                   <p:childTnLst>
                                     <p:set>
                                       <p:cBhvr>
-                                        <p:cTn id="21" dur="1" fill="hold">
+                                        <p:cTn id="19" dur="1" fill="hold">
                                           <p:stCondLst>
                                             <p:cond delay="0"/>
                                           </p:stCondLst>
@@ -9352,7 +9334,7 @@
                                     </p:set>
                                     <p:animEffect transition="in" filter="fade">
                                       <p:cBhvr>
-                                        <p:cTn id="22" dur="500"/>
+                                        <p:cTn id="20" dur="500"/>
                                         <p:tgtEl>
                                           <p:spTgt spid="8197">
                                             <p:txEl>
@@ -9365,33 +9347,15 @@
                                   </p:childTnLst>
                                 </p:cTn>
                               </p:par>
-                            </p:childTnLst>
-                          </p:cTn>
-                        </p:par>
-                      </p:childTnLst>
-                    </p:cTn>
-                  </p:par>
-                  <p:par>
-                    <p:cTn id="23" fill="hold">
-                      <p:stCondLst>
-                        <p:cond delay="indefinite"/>
-                      </p:stCondLst>
-                      <p:childTnLst>
-                        <p:par>
-                          <p:cTn id="24" fill="hold">
-                            <p:stCondLst>
-                              <p:cond delay="0"/>
-                            </p:stCondLst>
-                            <p:childTnLst>
                               <p:par>
-                                <p:cTn id="25" presetID="10" presetClass="entr" presetSubtype="0" fill="hold" nodeType="clickEffect">
+                                <p:cTn id="21" presetID="10" presetClass="entr" presetSubtype="0" fill="hold" nodeType="withEffect">
                                   <p:stCondLst>
                                     <p:cond delay="0"/>
                                   </p:stCondLst>
                                   <p:childTnLst>
                                     <p:set>
                                       <p:cBhvr>
-                                        <p:cTn id="26" dur="1" fill="hold">
+                                        <p:cTn id="22" dur="1" fill="hold">
                                           <p:stCondLst>
                                             <p:cond delay="0"/>
                                           </p:stCondLst>
@@ -9413,7 +9377,7 @@
                                     </p:set>
                                     <p:animEffect transition="in" filter="fade">
                                       <p:cBhvr>
-                                        <p:cTn id="27" dur="500"/>
+                                        <p:cTn id="23" dur="500"/>
                                         <p:tgtEl>
                                           <p:spTgt spid="8197">
                                             <p:txEl>
@@ -9426,33 +9390,15 @@
                                   </p:childTnLst>
                                 </p:cTn>
                               </p:par>
-                            </p:childTnLst>
-                          </p:cTn>
-                        </p:par>
-                      </p:childTnLst>
-                    </p:cTn>
-                  </p:par>
-                  <p:par>
-                    <p:cTn id="28" fill="hold">
-                      <p:stCondLst>
-                        <p:cond delay="indefinite"/>
-                      </p:stCondLst>
-                      <p:childTnLst>
-                        <p:par>
-                          <p:cTn id="29" fill="hold">
-                            <p:stCondLst>
-                              <p:cond delay="0"/>
-                            </p:stCondLst>
-                            <p:childTnLst>
                               <p:par>
-                                <p:cTn id="30" presetID="10" presetClass="entr" presetSubtype="0" fill="hold" nodeType="clickEffect">
+                                <p:cTn id="24" presetID="10" presetClass="entr" presetSubtype="0" fill="hold" nodeType="withEffect">
                                   <p:stCondLst>
                                     <p:cond delay="0"/>
                                   </p:stCondLst>
                                   <p:childTnLst>
                                     <p:set>
                                       <p:cBhvr>
-                                        <p:cTn id="31" dur="1" fill="hold">
+                                        <p:cTn id="25" dur="1" fill="hold">
                                           <p:stCondLst>
                                             <p:cond delay="0"/>
                                           </p:stCondLst>
@@ -9474,7 +9420,7 @@
                                     </p:set>
                                     <p:animEffect transition="in" filter="fade">
                                       <p:cBhvr>
-                                        <p:cTn id="32" dur="500"/>
+                                        <p:cTn id="26" dur="500"/>
                                         <p:tgtEl>
                                           <p:spTgt spid="8197">
                                             <p:txEl>
@@ -9494,26 +9440,26 @@
                     </p:cTn>
                   </p:par>
                   <p:par>
-                    <p:cTn id="33" fill="hold">
+                    <p:cTn id="27" fill="hold">
                       <p:stCondLst>
                         <p:cond delay="indefinite"/>
                       </p:stCondLst>
                       <p:childTnLst>
                         <p:par>
-                          <p:cTn id="34" fill="hold">
+                          <p:cTn id="28" fill="hold">
                             <p:stCondLst>
                               <p:cond delay="0"/>
                             </p:stCondLst>
                             <p:childTnLst>
                               <p:par>
-                                <p:cTn id="35" presetID="10" presetClass="entr" presetSubtype="0" fill="hold" nodeType="clickEffect">
+                                <p:cTn id="29" presetID="10" presetClass="entr" presetSubtype="0" fill="hold" nodeType="clickEffect">
                                   <p:stCondLst>
                                     <p:cond delay="0"/>
                                   </p:stCondLst>
                                   <p:childTnLst>
                                     <p:set>
                                       <p:cBhvr>
-                                        <p:cTn id="36" dur="1" fill="hold">
+                                        <p:cTn id="30" dur="1" fill="hold">
                                           <p:stCondLst>
                                             <p:cond delay="0"/>
                                           </p:stCondLst>
@@ -9535,7 +9481,7 @@
                                     </p:set>
                                     <p:animEffect transition="in" filter="fade">
                                       <p:cBhvr>
-                                        <p:cTn id="37" dur="500"/>
+                                        <p:cTn id="31" dur="500"/>
                                         <p:tgtEl>
                                           <p:spTgt spid="8197">
                                             <p:txEl>
@@ -9652,7 +9598,7 @@
         <p:spPr bwMode="auto">
           <a:xfrm>
             <a:off x="304800" y="1556792"/>
-            <a:ext cx="8610600" cy="2099036"/>
+            <a:ext cx="8610600" cy="3945696"/>
           </a:xfrm>
           <a:prstGeom prst="rect">
             <a:avLst/>
@@ -9975,6 +9921,140 @@
             </a:r>
             <a:r>
               <a:rPr lang="ru-RU" sz="2000" dirty="0" smtClean="0">
+                <a:solidFill>
+                  <a:srgbClr val="CCCCFF">
+                    <a:lumMod val="25000"/>
+                  </a:srgbClr>
+                </a:solidFill>
+                <a:latin typeface="+mn-lt"/>
+              </a:rPr>
+              <a:t> </a:t>
+            </a:r>
+            <a:endParaRPr lang="en-US" sz="2000" dirty="0" smtClean="0">
+              <a:solidFill>
+                <a:srgbClr val="CCCCFF">
+                  <a:lumMod val="25000"/>
+                </a:srgbClr>
+              </a:solidFill>
+              <a:latin typeface="+mn-lt"/>
+            </a:endParaRPr>
+          </a:p>
+          <a:p>
+            <a:pPr marL="514350" indent="-514350" eaLnBrk="0" hangingPunct="0">
+              <a:spcBef>
+                <a:spcPct val="20000"/>
+              </a:spcBef>
+              <a:buFont typeface="Times YU" pitchFamily="18" charset="0"/>
+              <a:buAutoNum type="arabicPeriod" startAt="8"/>
+              <a:defRPr/>
+            </a:pPr>
+            <a:endParaRPr lang="sr-Cyrl-RS" sz="2000" dirty="0" smtClean="0">
+              <a:solidFill>
+                <a:srgbClr val="CCCCFF">
+                  <a:lumMod val="25000"/>
+                </a:srgbClr>
+              </a:solidFill>
+              <a:latin typeface="+mn-lt"/>
+            </a:endParaRPr>
+          </a:p>
+          <a:p>
+            <a:pPr marL="514350" indent="-514350" eaLnBrk="0" hangingPunct="0">
+              <a:spcBef>
+                <a:spcPct val="20000"/>
+              </a:spcBef>
+              <a:buFont typeface="Times YU" pitchFamily="18" charset="0"/>
+              <a:buAutoNum type="arabicPeriod" startAt="8"/>
+              <a:defRPr/>
+            </a:pPr>
+            <a:endParaRPr lang="sr-Cyrl-RS" sz="2000" dirty="0">
+              <a:solidFill>
+                <a:srgbClr val="CCCCFF">
+                  <a:lumMod val="25000"/>
+                </a:srgbClr>
+              </a:solidFill>
+              <a:latin typeface="+mn-lt"/>
+            </a:endParaRPr>
+          </a:p>
+          <a:p>
+            <a:pPr marL="514350" indent="-514350" eaLnBrk="0" hangingPunct="0">
+              <a:spcBef>
+                <a:spcPct val="20000"/>
+              </a:spcBef>
+              <a:buFont typeface="Times YU" pitchFamily="18" charset="0"/>
+              <a:buAutoNum type="arabicPeriod" startAt="8"/>
+              <a:defRPr/>
+            </a:pPr>
+            <a:endParaRPr lang="sr-Cyrl-RS" sz="2000" dirty="0" smtClean="0">
+              <a:solidFill>
+                <a:srgbClr val="CCCCFF">
+                  <a:lumMod val="25000"/>
+                </a:srgbClr>
+              </a:solidFill>
+              <a:latin typeface="+mn-lt"/>
+            </a:endParaRPr>
+          </a:p>
+          <a:p>
+            <a:pPr marL="514350" indent="-514350" eaLnBrk="0" hangingPunct="0">
+              <a:spcBef>
+                <a:spcPct val="20000"/>
+              </a:spcBef>
+              <a:buFont typeface="Times YU" pitchFamily="18" charset="0"/>
+              <a:buAutoNum type="arabicPeriod" startAt="8"/>
+              <a:defRPr/>
+            </a:pPr>
+            <a:endParaRPr lang="en-US" sz="2000" dirty="0">
+              <a:solidFill>
+                <a:srgbClr val="CCCCFF">
+                  <a:lumMod val="25000"/>
+                </a:srgbClr>
+              </a:solidFill>
+              <a:latin typeface="+mn-lt"/>
+            </a:endParaRPr>
+          </a:p>
+          <a:p>
+            <a:pPr eaLnBrk="0" hangingPunct="0">
+              <a:spcBef>
+                <a:spcPct val="20000"/>
+              </a:spcBef>
+              <a:defRPr/>
+            </a:pPr>
+            <a:r>
+              <a:rPr lang="sr-Cyrl-RS" sz="2000" dirty="0" smtClean="0">
+                <a:solidFill>
+                  <a:srgbClr val="CCCCFF">
+                    <a:lumMod val="25000"/>
+                  </a:srgbClr>
+                </a:solidFill>
+                <a:latin typeface="+mn-lt"/>
+              </a:rPr>
+              <a:t>Веб презентација курса УВИТ: </a:t>
+            </a:r>
+            <a:r>
+              <a:rPr lang="sr-Latn-RS" sz="2000" dirty="0">
+                <a:solidFill>
+                  <a:srgbClr val="CCCCFF">
+                    <a:lumMod val="25000"/>
+                  </a:srgbClr>
+                </a:solidFill>
+                <a:latin typeface="+mn-lt"/>
+                <a:hlinkClick r:id="rId4"/>
+              </a:rPr>
+              <a:t>https://matfuvit.github.io/UVIT</a:t>
+            </a:r>
+            <a:r>
+              <a:rPr lang="sr-Latn-RS" sz="2000" dirty="0" smtClean="0">
+                <a:solidFill>
+                  <a:srgbClr val="CCCCFF">
+                    <a:lumMod val="25000"/>
+                  </a:srgbClr>
+                </a:solidFill>
+                <a:latin typeface="+mn-lt"/>
+                <a:hlinkClick r:id="rId4"/>
+              </a:rPr>
+              <a:t>/</a:t>
+            </a:r>
+            <a:r>
+              <a:rPr lang="sr-Cyrl-RS" sz="2000" dirty="0" smtClean="0">
                 <a:solidFill>
                   <a:srgbClr val="CCCCFF">
                     <a:lumMod val="25000"/>
@@ -10104,33 +10184,15 @@
                                   </p:childTnLst>
                                 </p:cTn>
                               </p:par>
-                            </p:childTnLst>
-                          </p:cTn>
-                        </p:par>
-                      </p:childTnLst>
-                    </p:cTn>
-                  </p:par>
-                  <p:par>
-                    <p:cTn id="8" fill="hold">
-                      <p:stCondLst>
-                        <p:cond delay="indefinite"/>
-                      </p:stCondLst>
-                      <p:childTnLst>
-                        <p:par>
-                          <p:cTn id="9" fill="hold">
-                            <p:stCondLst>
-                              <p:cond delay="0"/>
-                            </p:stCondLst>
-                            <p:childTnLst>
                               <p:par>
-                                <p:cTn id="10" presetID="10" presetClass="entr" presetSubtype="0" fill="hold" nodeType="clickEffect">
+                                <p:cTn id="8" presetID="10" presetClass="entr" presetSubtype="0" fill="hold" nodeType="withEffect">
                                   <p:stCondLst>
                                     <p:cond delay="0"/>
                                   </p:stCondLst>
                                   <p:childTnLst>
                                     <p:set>
                                       <p:cBhvr>
-                                        <p:cTn id="11" dur="1" fill="hold">
+                                        <p:cTn id="9" dur="1" fill="hold">
                                           <p:stCondLst>
                                             <p:cond delay="0"/>
                                           </p:stCondLst>
@@ -10152,7 +10214,7 @@
                                     </p:set>
                                     <p:animEffect transition="in" filter="fade">
                                       <p:cBhvr>
-                                        <p:cTn id="12" dur="500"/>
+                                        <p:cTn id="10" dur="500"/>
                                         <p:tgtEl>
                                           <p:spTgt spid="8197">
                                             <p:txEl>
@@ -10165,33 +10227,15 @@
                                   </p:childTnLst>
                                 </p:cTn>
                               </p:par>
-                            </p:childTnLst>
-                          </p:cTn>
-                        </p:par>
-                      </p:childTnLst>
-                    </p:cTn>
-                  </p:par>
-                  <p:par>
-                    <p:cTn id="13" fill="hold">
-                      <p:stCondLst>
-                        <p:cond delay="indefinite"/>
-                      </p:stCondLst>
-                      <p:childTnLst>
-                        <p:par>
-                          <p:cTn id="14" fill="hold">
-                            <p:stCondLst>
-                              <p:cond delay="0"/>
-                            </p:stCondLst>
-                            <p:childTnLst>
                               <p:par>
-                                <p:cTn id="15" presetID="10" presetClass="entr" presetSubtype="0" fill="hold" nodeType="clickEffect">
+                                <p:cTn id="11" presetID="10" presetClass="entr" presetSubtype="0" fill="hold" nodeType="withEffect">
                                   <p:stCondLst>
                                     <p:cond delay="0"/>
                                   </p:stCondLst>
                                   <p:childTnLst>
                                     <p:set>
                                       <p:cBhvr>
-                                        <p:cTn id="16" dur="1" fill="hold">
+                                        <p:cTn id="12" dur="1" fill="hold">
                                           <p:stCondLst>
                                             <p:cond delay="0"/>
                                           </p:stCondLst>
@@ -10213,11 +10257,72 @@
                                     </p:set>
                                     <p:animEffect transition="in" filter="fade">
                                       <p:cBhvr>
-                                        <p:cTn id="17" dur="500"/>
+                                        <p:cTn id="13" dur="500"/>
                                         <p:tgtEl>
                                           <p:spTgt spid="8197">
                                             <p:txEl>
                                               <p:pRg st="2" end="2"/>
+                                            </p:txEl>
+                                          </p:spTgt>
+                                        </p:tgtEl>
+                                      </p:cBhvr>
+                                    </p:animEffect>
+                                  </p:childTnLst>
+                                </p:cTn>
+                              </p:par>
+                            </p:childTnLst>
+                          </p:cTn>
+                        </p:par>
+                      </p:childTnLst>
+                    </p:cTn>
+                  </p:par>
+                  <p:par>
+                    <p:cTn id="14" fill="hold">
+                      <p:stCondLst>
+                        <p:cond delay="indefinite"/>
+                      </p:stCondLst>
+                      <p:childTnLst>
+                        <p:par>
+                          <p:cTn id="15" fill="hold">
+                            <p:stCondLst>
+                              <p:cond delay="0"/>
+                            </p:stCondLst>
+                            <p:childTnLst>
+                              <p:par>
+                                <p:cTn id="16" presetID="10" presetClass="entr" presetSubtype="0" fill="hold" nodeType="clickEffect">
+                                  <p:stCondLst>
+                                    <p:cond delay="0"/>
+                                  </p:stCondLst>
+                                  <p:childTnLst>
+                                    <p:set>
+                                      <p:cBhvr>
+                                        <p:cTn id="17" dur="1" fill="hold">
+                                          <p:stCondLst>
+                                            <p:cond delay="0"/>
+                                          </p:stCondLst>
+                                        </p:cTn>
+                                        <p:tgtEl>
+                                          <p:spTgt spid="8197">
+                                            <p:txEl>
+                                              <p:pRg st="7" end="7"/>
+                                            </p:txEl>
+                                          </p:spTgt>
+                                        </p:tgtEl>
+                                        <p:attrNameLst>
+                                          <p:attrName>style.visibility</p:attrName>
+                                        </p:attrNameLst>
+                                      </p:cBhvr>
+                                      <p:to>
+                                        <p:strVal val="visible"/>
+                                      </p:to>
+                                    </p:set>
+                                    <p:animEffect transition="in" filter="fade">
+                                      <p:cBhvr>
+                                        <p:cTn id="18" dur="500"/>
+                                        <p:tgtEl>
+                                          <p:spTgt spid="8197">
+                                            <p:txEl>
+                                              <p:pRg st="7" end="7"/>
                                             </p:txEl>
                                           </p:spTgt>
                                         </p:tgtEl>
